--- a/期中.pptx
+++ b/期中.pptx
@@ -6,6 +6,15 @@
   </p:sldMasterIdLst>
   <p:sldIdLst>
     <p:sldId id="257" r:id="rId2"/>
+    <p:sldId id="258" r:id="rId3"/>
+    <p:sldId id="259" r:id="rId4"/>
+    <p:sldId id="260" r:id="rId5"/>
+    <p:sldId id="261" r:id="rId6"/>
+    <p:sldId id="262" r:id="rId7"/>
+    <p:sldId id="263" r:id="rId8"/>
+    <p:sldId id="264" r:id="rId9"/>
+    <p:sldId id="265" r:id="rId10"/>
+    <p:sldId id="266" r:id="rId11"/>
   </p:sldIdLst>
   <p:sldSz cx="12192000" cy="6858000"/>
   <p:notesSz cx="6858000" cy="9144000"/>
@@ -104,6 +113,11 @@
       </a:defRPr>
     </a:lvl9pPr>
   </p:defaultTextStyle>
+  <p:extLst>
+    <p:ext uri="{EFAFB233-063F-42B5-8137-9DF3F51BA10A}">
+      <p15:sldGuideLst xmlns:p15="http://schemas.microsoft.com/office/powerpoint/2012/main"/>
+    </p:ext>
+  </p:extLst>
 </p:presentation>
 </file>
 
@@ -6058,7 +6072,7 @@
         <p:spPr/>
         <p:txBody>
           <a:bodyPr>
-            <a:normAutofit lnSpcReduction="10000"/>
+            <a:normAutofit/>
           </a:bodyPr>
           <a:lstStyle/>
           <a:p>
@@ -6127,13 +6141,6 @@
             <a:r>
               <a:rPr lang="zh-TW" altLang="en-US" sz="2800" dirty="0"/>
               <a:t>將資料輸入至資料庫</a:t>
-            </a:r>
-            <a:endParaRPr lang="en-US" altLang="zh-TW" sz="2800" dirty="0"/>
-          </a:p>
-          <a:p>
-            <a:r>
-              <a:rPr lang="zh-TW" altLang="en-US" sz="2800" dirty="0"/>
-              <a:t>讀取資料庫的資料</a:t>
             </a:r>
             <a:endParaRPr lang="en-US" altLang="zh-TW" sz="2800" dirty="0"/>
           </a:p>
@@ -6187,6 +6194,1760 @@
     <p:extLst>
       <p:ext uri="{BB962C8B-B14F-4D97-AF65-F5344CB8AC3E}">
         <p14:creationId xmlns:p14="http://schemas.microsoft.com/office/powerpoint/2010/main" val="3261507982"/>
+      </p:ext>
+    </p:extLst>
+  </p:cSld>
+  <p:clrMapOvr>
+    <a:masterClrMapping/>
+  </p:clrMapOvr>
+</p:sld>
+</file>
+
+<file path=ppt/slides/slide10.xml><?xml version="1.0" encoding="utf-8"?>
+<p:sld xmlns:a="http://schemas.openxmlformats.org/drawingml/2006/main" xmlns:r="http://schemas.openxmlformats.org/officeDocument/2006/relationships" xmlns:p="http://schemas.openxmlformats.org/presentationml/2006/main">
+  <p:cSld>
+    <p:spTree>
+      <p:nvGrpSpPr>
+        <p:cNvPr id="1" name=""/>
+        <p:cNvGrpSpPr/>
+        <p:nvPr/>
+      </p:nvGrpSpPr>
+      <p:grpSpPr>
+        <a:xfrm>
+          <a:off x="0" y="0"/>
+          <a:ext cx="0" cy="0"/>
+          <a:chOff x="0" y="0"/>
+          <a:chExt cx="0" cy="0"/>
+        </a:xfrm>
+      </p:grpSpPr>
+      <p:sp>
+        <p:nvSpPr>
+          <p:cNvPr id="2" name="標題 1">
+            <a:extLst>
+              <a:ext uri="{FF2B5EF4-FFF2-40B4-BE49-F238E27FC236}">
+                <a16:creationId xmlns:a16="http://schemas.microsoft.com/office/drawing/2014/main" id="{F993076C-8B1B-DAAB-3EC1-8818F5F227C3}"/>
+              </a:ext>
+            </a:extLst>
+          </p:cNvPr>
+          <p:cNvSpPr>
+            <a:spLocks noGrp="1"/>
+          </p:cNvSpPr>
+          <p:nvPr>
+            <p:ph type="title"/>
+          </p:nvPr>
+        </p:nvSpPr>
+        <p:spPr/>
+        <p:txBody>
+          <a:bodyPr/>
+          <a:lstStyle/>
+          <a:p>
+            <a:r>
+              <a:rPr lang="zh-TW" altLang="en-US" dirty="0"/>
+              <a:t>輸出資料表</a:t>
+            </a:r>
+          </a:p>
+        </p:txBody>
+      </p:sp>
+      <p:sp>
+        <p:nvSpPr>
+          <p:cNvPr id="3" name="內容版面配置區 2">
+            <a:extLst>
+              <a:ext uri="{FF2B5EF4-FFF2-40B4-BE49-F238E27FC236}">
+                <a16:creationId xmlns:a16="http://schemas.microsoft.com/office/drawing/2014/main" id="{A7A96E21-EA7B-A01D-DA15-63244C4FC1BF}"/>
+              </a:ext>
+            </a:extLst>
+          </p:cNvPr>
+          <p:cNvSpPr>
+            <a:spLocks noGrp="1"/>
+          </p:cNvSpPr>
+          <p:nvPr>
+            <p:ph idx="1"/>
+          </p:nvPr>
+        </p:nvSpPr>
+        <p:spPr/>
+        <p:txBody>
+          <a:bodyPr/>
+          <a:lstStyle/>
+          <a:p>
+            <a:endParaRPr lang="zh-TW" altLang="en-US"/>
+          </a:p>
+        </p:txBody>
+      </p:sp>
+      <p:pic>
+        <p:nvPicPr>
+          <p:cNvPr id="5" name="圖片 4">
+            <a:extLst>
+              <a:ext uri="{FF2B5EF4-FFF2-40B4-BE49-F238E27FC236}">
+                <a16:creationId xmlns:a16="http://schemas.microsoft.com/office/drawing/2014/main" id="{6704E342-9C8C-C46A-EBFB-807A830B9BE1}"/>
+              </a:ext>
+            </a:extLst>
+          </p:cNvPr>
+          <p:cNvPicPr>
+            <a:picLocks noChangeAspect="1"/>
+          </p:cNvPicPr>
+          <p:nvPr/>
+        </p:nvPicPr>
+        <p:blipFill>
+          <a:blip r:embed="rId2"/>
+          <a:stretch>
+            <a:fillRect/>
+          </a:stretch>
+        </p:blipFill>
+        <p:spPr>
+          <a:xfrm>
+            <a:off x="2070565" y="1732449"/>
+            <a:ext cx="8040222" cy="3953427"/>
+          </a:xfrm>
+          <a:prstGeom prst="rect">
+            <a:avLst/>
+          </a:prstGeom>
+        </p:spPr>
+      </p:pic>
+    </p:spTree>
+    <p:extLst>
+      <p:ext uri="{BB962C8B-B14F-4D97-AF65-F5344CB8AC3E}">
+        <p14:creationId xmlns:p14="http://schemas.microsoft.com/office/powerpoint/2010/main" val="3882082410"/>
+      </p:ext>
+    </p:extLst>
+  </p:cSld>
+  <p:clrMapOvr>
+    <a:masterClrMapping/>
+  </p:clrMapOvr>
+</p:sld>
+</file>
+
+<file path=ppt/slides/slide2.xml><?xml version="1.0" encoding="utf-8"?>
+<p:sld xmlns:a="http://schemas.openxmlformats.org/drawingml/2006/main" xmlns:r="http://schemas.openxmlformats.org/officeDocument/2006/relationships" xmlns:p="http://schemas.openxmlformats.org/presentationml/2006/main">
+  <p:cSld>
+    <p:bg>
+      <p:bgPr>
+        <a:blipFill rotWithShape="1">
+          <a:blip r:embed="rId2">
+            <a:duotone>
+              <a:schemeClr val="bg2">
+                <a:shade val="80000"/>
+                <a:lumMod val="80000"/>
+              </a:schemeClr>
+              <a:schemeClr val="bg2">
+                <a:tint val="98000"/>
+              </a:schemeClr>
+            </a:duotone>
+          </a:blip>
+          <a:stretch/>
+        </a:blipFill>
+        <a:effectLst/>
+      </p:bgPr>
+    </p:bg>
+    <p:spTree>
+      <p:nvGrpSpPr>
+        <p:cNvPr id="1" name=""/>
+        <p:cNvGrpSpPr/>
+        <p:nvPr/>
+      </p:nvGrpSpPr>
+      <p:grpSpPr>
+        <a:xfrm>
+          <a:off x="0" y="0"/>
+          <a:ext cx="0" cy="0"/>
+          <a:chOff x="0" y="0"/>
+          <a:chExt cx="0" cy="0"/>
+        </a:xfrm>
+      </p:grpSpPr>
+      <p:sp>
+        <p:nvSpPr>
+          <p:cNvPr id="2" name="標題 1">
+            <a:extLst>
+              <a:ext uri="{FF2B5EF4-FFF2-40B4-BE49-F238E27FC236}">
+                <a16:creationId xmlns:a16="http://schemas.microsoft.com/office/drawing/2014/main" id="{9E1F53B4-804A-1708-308D-13586043F5CD}"/>
+              </a:ext>
+            </a:extLst>
+          </p:cNvPr>
+          <p:cNvSpPr>
+            <a:spLocks noGrp="1"/>
+          </p:cNvSpPr>
+          <p:nvPr>
+            <p:ph type="title"/>
+          </p:nvPr>
+        </p:nvSpPr>
+        <p:spPr>
+          <a:xfrm>
+            <a:off x="2804606" y="5791200"/>
+            <a:ext cx="5844759" cy="970450"/>
+          </a:xfrm>
+        </p:spPr>
+        <p:txBody>
+          <a:bodyPr>
+            <a:normAutofit fontScale="90000"/>
+          </a:bodyPr>
+          <a:lstStyle/>
+          <a:p>
+            <a:r>
+              <a:rPr lang="zh-TW" altLang="en-US" sz="3100" dirty="0"/>
+              <a:t>創建</a:t>
+            </a:r>
+            <a:r>
+              <a:rPr lang="en-US" altLang="zh-TW" sz="3100" dirty="0"/>
+              <a:t>bean</a:t>
+            </a:r>
+            <a:r>
+              <a:rPr lang="zh-TW" altLang="en-US" sz="3100" dirty="0"/>
+              <a:t>並指定資料表輸入的欄位</a:t>
+            </a:r>
+            <a:br>
+              <a:rPr lang="en-US" altLang="zh-TW" sz="4000" dirty="0"/>
+            </a:br>
+            <a:endParaRPr lang="zh-TW" altLang="en-US" dirty="0"/>
+          </a:p>
+        </p:txBody>
+      </p:sp>
+      <p:pic>
+        <p:nvPicPr>
+          <p:cNvPr id="14" name="Picture 11">
+            <a:extLst>
+              <a:ext uri="{FF2B5EF4-FFF2-40B4-BE49-F238E27FC236}">
+                <a16:creationId xmlns:a16="http://schemas.microsoft.com/office/drawing/2014/main" id="{5405F23C-C82E-4181-95EA-321F3D891A40}"/>
+              </a:ext>
+              <a:ext uri="{C183D7F6-B498-43B3-948B-1728B52AA6E4}">
+                <adec:decorative xmlns:adec="http://schemas.microsoft.com/office/drawing/2017/decorative" val="1"/>
+              </a:ext>
+            </a:extLst>
+          </p:cNvPr>
+          <p:cNvPicPr>
+            <a:picLocks noGrp="1" noRot="1" noChangeAspect="1" noMove="1" noResize="1" noEditPoints="1" noAdjustHandles="1" noChangeArrowheads="1" noChangeShapeType="1" noCrop="1"/>
+          </p:cNvPicPr>
+          <p:nvPr>
+            <p:extLst>
+              <p:ext uri="{386F3935-93C4-4BCD-93E2-E3B085C9AB24}">
+                <p16:designElem xmlns:p16="http://schemas.microsoft.com/office/powerpoint/2015/main" val="1"/>
+              </p:ext>
+            </p:extLst>
+          </p:nvPr>
+        </p:nvPicPr>
+        <p:blipFill rotWithShape="1">
+          <a:blip r:embed="rId3">
+            <a:extLst>
+              <a:ext uri="{28A0092B-C50C-407E-A947-70E740481C1C}">
+                <a14:useLocalDpi xmlns:a14="http://schemas.microsoft.com/office/drawing/2010/main" val="0"/>
+              </a:ext>
+            </a:extLst>
+          </a:blip>
+          <a:srcRect t="964" r="2807" b="1446"/>
+          <a:stretch/>
+        </p:blipFill>
+        <p:spPr>
+          <a:xfrm>
+            <a:off x="-10650" y="1"/>
+            <a:ext cx="4966697" cy="6858000"/>
+          </a:xfrm>
+          <a:prstGeom prst="rect">
+            <a:avLst/>
+          </a:prstGeom>
+        </p:spPr>
+      </p:pic>
+      <p:pic>
+        <p:nvPicPr>
+          <p:cNvPr id="5" name="內容版面配置區 4">
+            <a:extLst>
+              <a:ext uri="{FF2B5EF4-FFF2-40B4-BE49-F238E27FC236}">
+                <a16:creationId xmlns:a16="http://schemas.microsoft.com/office/drawing/2014/main" id="{5AA77DD0-FC57-C738-1195-D49B7ECA4328}"/>
+              </a:ext>
+            </a:extLst>
+          </p:cNvPr>
+          <p:cNvPicPr>
+            <a:picLocks noChangeAspect="1"/>
+          </p:cNvPicPr>
+          <p:nvPr/>
+        </p:nvPicPr>
+        <p:blipFill>
+          <a:blip r:embed="rId4"/>
+          <a:stretch>
+            <a:fillRect/>
+          </a:stretch>
+        </p:blipFill>
+        <p:spPr>
+          <a:xfrm>
+            <a:off x="913795" y="314713"/>
+            <a:ext cx="4003193" cy="4273678"/>
+          </a:xfrm>
+          <a:prstGeom prst="rect">
+            <a:avLst/>
+          </a:prstGeom>
+        </p:spPr>
+      </p:pic>
+      <p:pic>
+        <p:nvPicPr>
+          <p:cNvPr id="7" name="圖片 6">
+            <a:extLst>
+              <a:ext uri="{FF2B5EF4-FFF2-40B4-BE49-F238E27FC236}">
+                <a16:creationId xmlns:a16="http://schemas.microsoft.com/office/drawing/2014/main" id="{2FA7B50E-747A-FF3F-6798-9B795C1056D5}"/>
+              </a:ext>
+            </a:extLst>
+          </p:cNvPr>
+          <p:cNvPicPr>
+            <a:picLocks noChangeAspect="1"/>
+          </p:cNvPicPr>
+          <p:nvPr/>
+        </p:nvPicPr>
+        <p:blipFill>
+          <a:blip r:embed="rId5"/>
+          <a:stretch>
+            <a:fillRect/>
+          </a:stretch>
+        </p:blipFill>
+        <p:spPr>
+          <a:xfrm>
+            <a:off x="2130797" y="4588391"/>
+            <a:ext cx="7192379" cy="1028844"/>
+          </a:xfrm>
+          <a:prstGeom prst="rect">
+            <a:avLst/>
+          </a:prstGeom>
+        </p:spPr>
+      </p:pic>
+      <p:pic>
+        <p:nvPicPr>
+          <p:cNvPr id="13" name="圖片 12">
+            <a:extLst>
+              <a:ext uri="{FF2B5EF4-FFF2-40B4-BE49-F238E27FC236}">
+                <a16:creationId xmlns:a16="http://schemas.microsoft.com/office/drawing/2014/main" id="{4ED3D59C-791A-063E-3DD4-B7EBE82F48D1}"/>
+              </a:ext>
+            </a:extLst>
+          </p:cNvPr>
+          <p:cNvPicPr>
+            <a:picLocks noChangeAspect="1"/>
+          </p:cNvPicPr>
+          <p:nvPr/>
+        </p:nvPicPr>
+        <p:blipFill>
+          <a:blip r:embed="rId6"/>
+          <a:stretch>
+            <a:fillRect/>
+          </a:stretch>
+        </p:blipFill>
+        <p:spPr>
+          <a:xfrm>
+            <a:off x="6174501" y="314713"/>
+            <a:ext cx="3734321" cy="4334480"/>
+          </a:xfrm>
+          <a:prstGeom prst="rect">
+            <a:avLst/>
+          </a:prstGeom>
+        </p:spPr>
+      </p:pic>
+      <p:sp>
+        <p:nvSpPr>
+          <p:cNvPr id="17" name="內容版面配置區 16">
+            <a:extLst>
+              <a:ext uri="{FF2B5EF4-FFF2-40B4-BE49-F238E27FC236}">
+                <a16:creationId xmlns:a16="http://schemas.microsoft.com/office/drawing/2014/main" id="{E6180C2D-797E-F314-7397-BF90971D9366}"/>
+              </a:ext>
+            </a:extLst>
+          </p:cNvPr>
+          <p:cNvSpPr>
+            <a:spLocks noGrp="1"/>
+          </p:cNvSpPr>
+          <p:nvPr>
+            <p:ph idx="1"/>
+          </p:nvPr>
+        </p:nvSpPr>
+        <p:spPr/>
+        <p:txBody>
+          <a:bodyPr/>
+          <a:lstStyle/>
+          <a:p>
+            <a:pPr marL="36900" indent="0">
+              <a:buNone/>
+            </a:pPr>
+            <a:endParaRPr lang="zh-TW" altLang="en-US" dirty="0"/>
+          </a:p>
+        </p:txBody>
+      </p:sp>
+    </p:spTree>
+    <p:extLst>
+      <p:ext uri="{BB962C8B-B14F-4D97-AF65-F5344CB8AC3E}">
+        <p14:creationId xmlns:p14="http://schemas.microsoft.com/office/powerpoint/2010/main" val="1134926552"/>
+      </p:ext>
+    </p:extLst>
+  </p:cSld>
+  <p:clrMapOvr>
+    <a:masterClrMapping/>
+  </p:clrMapOvr>
+</p:sld>
+</file>
+
+<file path=ppt/slides/slide3.xml><?xml version="1.0" encoding="utf-8"?>
+<p:sld xmlns:a="http://schemas.openxmlformats.org/drawingml/2006/main" xmlns:r="http://schemas.openxmlformats.org/officeDocument/2006/relationships" xmlns:p="http://schemas.openxmlformats.org/presentationml/2006/main">
+  <p:cSld>
+    <p:bg>
+      <p:bgPr>
+        <a:blipFill rotWithShape="1">
+          <a:blip r:embed="rId2">
+            <a:duotone>
+              <a:schemeClr val="bg2">
+                <a:shade val="80000"/>
+                <a:lumMod val="80000"/>
+              </a:schemeClr>
+              <a:schemeClr val="bg2">
+                <a:tint val="98000"/>
+              </a:schemeClr>
+            </a:duotone>
+          </a:blip>
+          <a:stretch/>
+        </a:blipFill>
+        <a:effectLst/>
+      </p:bgPr>
+    </p:bg>
+    <p:spTree>
+      <p:nvGrpSpPr>
+        <p:cNvPr id="1" name=""/>
+        <p:cNvGrpSpPr/>
+        <p:nvPr/>
+      </p:nvGrpSpPr>
+      <p:grpSpPr>
+        <a:xfrm>
+          <a:off x="0" y="0"/>
+          <a:ext cx="0" cy="0"/>
+          <a:chOff x="0" y="0"/>
+          <a:chExt cx="0" cy="0"/>
+        </a:xfrm>
+      </p:grpSpPr>
+      <p:sp>
+        <p:nvSpPr>
+          <p:cNvPr id="2" name="標題 1">
+            <a:extLst>
+              <a:ext uri="{FF2B5EF4-FFF2-40B4-BE49-F238E27FC236}">
+                <a16:creationId xmlns:a16="http://schemas.microsoft.com/office/drawing/2014/main" id="{A3D7BBD0-8104-F7F2-994E-29625BFE9223}"/>
+              </a:ext>
+            </a:extLst>
+          </p:cNvPr>
+          <p:cNvSpPr>
+            <a:spLocks noGrp="1"/>
+          </p:cNvSpPr>
+          <p:nvPr>
+            <p:ph type="title"/>
+          </p:nvPr>
+        </p:nvSpPr>
+        <p:spPr>
+          <a:xfrm>
+            <a:off x="2182750" y="640389"/>
+            <a:ext cx="7826500" cy="1956298"/>
+          </a:xfrm>
+        </p:spPr>
+        <p:txBody>
+          <a:bodyPr>
+            <a:normAutofit/>
+          </a:bodyPr>
+          <a:lstStyle/>
+          <a:p>
+            <a:r>
+              <a:rPr lang="zh-TW" altLang="en-US" sz="3200" dirty="0"/>
+              <a:t>從</a:t>
+            </a:r>
+            <a:r>
+              <a:rPr lang="en-US" altLang="zh-TW" sz="3200" dirty="0"/>
+              <a:t>URL</a:t>
+            </a:r>
+            <a:r>
+              <a:rPr lang="zh-TW" altLang="en-US" sz="3200" dirty="0"/>
+              <a:t>獲取資料</a:t>
+            </a:r>
+            <a:r>
+              <a:rPr lang="en-US" altLang="zh-TW" sz="3200" dirty="0"/>
+              <a:t>,</a:t>
+            </a:r>
+            <a:r>
+              <a:rPr lang="zh-TW" altLang="en-US" sz="3200" dirty="0"/>
+              <a:t>並將資料行轉為</a:t>
+            </a:r>
+            <a:r>
+              <a:rPr lang="en-US" altLang="zh-TW" sz="3200" dirty="0"/>
+              <a:t>bean,</a:t>
+            </a:r>
+            <a:r>
+              <a:rPr lang="zh-TW" altLang="en-US" sz="3200" dirty="0"/>
+              <a:t>儲存至</a:t>
+            </a:r>
+            <a:r>
+              <a:rPr lang="en-US" altLang="zh-TW" sz="3200" dirty="0"/>
+              <a:t>List</a:t>
+            </a:r>
+            <a:r>
+              <a:rPr lang="zh-TW" altLang="en-US" sz="3200" dirty="0"/>
+              <a:t>裡</a:t>
+            </a:r>
+            <a:endParaRPr lang="en-US" altLang="zh-TW" sz="3200" dirty="0"/>
+          </a:p>
+        </p:txBody>
+      </p:sp>
+      <p:sp>
+        <p:nvSpPr>
+          <p:cNvPr id="3" name="內容版面配置區 2">
+            <a:extLst>
+              <a:ext uri="{FF2B5EF4-FFF2-40B4-BE49-F238E27FC236}">
+                <a16:creationId xmlns:a16="http://schemas.microsoft.com/office/drawing/2014/main" id="{851D460E-A147-6ADB-BCCF-799083800808}"/>
+              </a:ext>
+            </a:extLst>
+          </p:cNvPr>
+          <p:cNvSpPr>
+            <a:spLocks noGrp="1"/>
+          </p:cNvSpPr>
+          <p:nvPr>
+            <p:ph idx="1"/>
+          </p:nvPr>
+        </p:nvSpPr>
+        <p:spPr>
+          <a:xfrm>
+            <a:off x="5139768" y="643467"/>
+            <a:ext cx="6430560" cy="1956298"/>
+          </a:xfrm>
+        </p:spPr>
+        <p:txBody>
+          <a:bodyPr anchor="ctr">
+            <a:normAutofit/>
+          </a:bodyPr>
+          <a:lstStyle/>
+          <a:p>
+            <a:pPr>
+              <a:buClr>
+                <a:srgbClr val="43CCDE"/>
+              </a:buClr>
+            </a:pPr>
+            <a:endParaRPr lang="zh-TW" altLang="en-US" dirty="0"/>
+          </a:p>
+        </p:txBody>
+      </p:sp>
+      <p:pic>
+        <p:nvPicPr>
+          <p:cNvPr id="5" name="圖片 4">
+            <a:extLst>
+              <a:ext uri="{FF2B5EF4-FFF2-40B4-BE49-F238E27FC236}">
+                <a16:creationId xmlns:a16="http://schemas.microsoft.com/office/drawing/2014/main" id="{3862D6A7-56BA-19A5-C6D8-5E4D6ACCA9E2}"/>
+              </a:ext>
+            </a:extLst>
+          </p:cNvPr>
+          <p:cNvPicPr>
+            <a:picLocks noChangeAspect="1"/>
+          </p:cNvPicPr>
+          <p:nvPr/>
+        </p:nvPicPr>
+        <p:blipFill>
+          <a:blip r:embed="rId3"/>
+          <a:stretch>
+            <a:fillRect/>
+          </a:stretch>
+        </p:blipFill>
+        <p:spPr>
+          <a:xfrm>
+            <a:off x="643468" y="3072109"/>
+            <a:ext cx="10926860" cy="2868301"/>
+          </a:xfrm>
+          <a:prstGeom prst="rect">
+            <a:avLst/>
+          </a:prstGeom>
+        </p:spPr>
+      </p:pic>
+    </p:spTree>
+    <p:extLst>
+      <p:ext uri="{BB962C8B-B14F-4D97-AF65-F5344CB8AC3E}">
+        <p14:creationId xmlns:p14="http://schemas.microsoft.com/office/powerpoint/2010/main" val="1977446469"/>
+      </p:ext>
+    </p:extLst>
+  </p:cSld>
+  <p:clrMapOvr>
+    <a:masterClrMapping/>
+  </p:clrMapOvr>
+</p:sld>
+</file>
+
+<file path=ppt/slides/slide4.xml><?xml version="1.0" encoding="utf-8"?>
+<p:sld xmlns:a="http://schemas.openxmlformats.org/drawingml/2006/main" xmlns:r="http://schemas.openxmlformats.org/officeDocument/2006/relationships" xmlns:p="http://schemas.openxmlformats.org/presentationml/2006/main">
+  <p:cSld>
+    <p:bg>
+      <p:bgPr>
+        <a:solidFill>
+          <a:schemeClr val="bg1"/>
+        </a:solidFill>
+        <a:effectLst/>
+      </p:bgPr>
+    </p:bg>
+    <p:spTree>
+      <p:nvGrpSpPr>
+        <p:cNvPr id="1" name=""/>
+        <p:cNvGrpSpPr/>
+        <p:nvPr/>
+      </p:nvGrpSpPr>
+      <p:grpSpPr>
+        <a:xfrm>
+          <a:off x="0" y="0"/>
+          <a:ext cx="0" cy="0"/>
+          <a:chOff x="0" y="0"/>
+          <a:chExt cx="0" cy="0"/>
+        </a:xfrm>
+      </p:grpSpPr>
+      <p:sp>
+        <p:nvSpPr>
+          <p:cNvPr id="10" name="Rectangle 9">
+            <a:extLst>
+              <a:ext uri="{FF2B5EF4-FFF2-40B4-BE49-F238E27FC236}">
+                <a16:creationId xmlns:a16="http://schemas.microsoft.com/office/drawing/2014/main" id="{95CB840F-8E41-4CA5-B79B-25CC80AD234A}"/>
+              </a:ext>
+              <a:ext uri="{C183D7F6-B498-43B3-948B-1728B52AA6E4}">
+                <adec:decorative xmlns:adec="http://schemas.microsoft.com/office/drawing/2017/decorative" val="1"/>
+              </a:ext>
+            </a:extLst>
+          </p:cNvPr>
+          <p:cNvSpPr>
+            <a:spLocks noGrp="1" noRot="1" noChangeAspect="1" noMove="1" noResize="1" noEditPoints="1" noAdjustHandles="1" noChangeArrowheads="1" noChangeShapeType="1" noTextEdit="1"/>
+          </p:cNvSpPr>
+          <p:nvPr>
+            <p:extLst>
+              <p:ext uri="{386F3935-93C4-4BCD-93E2-E3B085C9AB24}">
+                <p16:designElem xmlns:p16="http://schemas.microsoft.com/office/powerpoint/2015/main" val="1"/>
+              </p:ext>
+            </p:extLst>
+          </p:nvPr>
+        </p:nvSpPr>
+        <p:spPr>
+          <a:xfrm>
+            <a:off x="0" y="0"/>
+            <a:ext cx="12192000" cy="6858000"/>
+          </a:xfrm>
+          <a:prstGeom prst="rect">
+            <a:avLst/>
+          </a:prstGeom>
+          <a:ln>
+            <a:noFill/>
+          </a:ln>
+        </p:spPr>
+        <p:style>
+          <a:lnRef idx="2">
+            <a:schemeClr val="accent1">
+              <a:shade val="50000"/>
+            </a:schemeClr>
+          </a:lnRef>
+          <a:fillRef idx="1003">
+            <a:schemeClr val="dk2"/>
+          </a:fillRef>
+          <a:effectRef idx="0">
+            <a:schemeClr val="accent1"/>
+          </a:effectRef>
+          <a:fontRef idx="minor">
+            <a:schemeClr val="lt1"/>
+          </a:fontRef>
+        </p:style>
+        <p:txBody>
+          <a:bodyPr rtlCol="0" anchor="ctr"/>
+          <a:lstStyle/>
+          <a:p>
+            <a:pPr algn="ctr"/>
+            <a:endParaRPr lang="en-US"/>
+          </a:p>
+        </p:txBody>
+      </p:sp>
+      <p:sp>
+        <p:nvSpPr>
+          <p:cNvPr id="2" name="標題 1">
+            <a:extLst>
+              <a:ext uri="{FF2B5EF4-FFF2-40B4-BE49-F238E27FC236}">
+                <a16:creationId xmlns:a16="http://schemas.microsoft.com/office/drawing/2014/main" id="{4EEC279C-16F6-15B3-C67F-84FEF962E44C}"/>
+              </a:ext>
+            </a:extLst>
+          </p:cNvPr>
+          <p:cNvSpPr>
+            <a:spLocks noGrp="1"/>
+          </p:cNvSpPr>
+          <p:nvPr>
+            <p:ph type="title"/>
+          </p:nvPr>
+        </p:nvSpPr>
+        <p:spPr>
+          <a:xfrm>
+            <a:off x="913795" y="609600"/>
+            <a:ext cx="3078749" cy="970450"/>
+          </a:xfrm>
+        </p:spPr>
+        <p:txBody>
+          <a:bodyPr anchor="b">
+            <a:noAutofit/>
+          </a:bodyPr>
+          <a:lstStyle/>
+          <a:p>
+            <a:pPr algn="l"/>
+            <a:r>
+              <a:rPr lang="zh-TW" altLang="en-US" sz="2000" dirty="0">
+                <a:solidFill>
+                  <a:schemeClr val="bg1"/>
+                </a:solidFill>
+              </a:rPr>
+              <a:t>利用</a:t>
+            </a:r>
+            <a:r>
+              <a:rPr lang="en-US" altLang="zh-TW" sz="2000" dirty="0" err="1">
+                <a:solidFill>
+                  <a:schemeClr val="bg1"/>
+                </a:solidFill>
+              </a:rPr>
+              <a:t>PrepareStatement</a:t>
+            </a:r>
+            <a:r>
+              <a:rPr lang="zh-TW" altLang="en-US" sz="2000" dirty="0">
+                <a:solidFill>
+                  <a:schemeClr val="bg1"/>
+                </a:solidFill>
+              </a:rPr>
+              <a:t>將資料輸入至資料庫</a:t>
+            </a:r>
+            <a:endParaRPr lang="zh-TW" altLang="en-US" sz="2000" dirty="0">
+              <a:ln>
+                <a:solidFill>
+                  <a:srgbClr val="404040">
+                    <a:alpha val="10000"/>
+                  </a:srgbClr>
+                </a:solidFill>
+              </a:ln>
+              <a:solidFill>
+                <a:schemeClr val="bg1"/>
+              </a:solidFill>
+            </a:endParaRPr>
+          </a:p>
+        </p:txBody>
+      </p:sp>
+      <p:sp>
+        <p:nvSpPr>
+          <p:cNvPr id="3" name="內容版面配置區 2">
+            <a:extLst>
+              <a:ext uri="{FF2B5EF4-FFF2-40B4-BE49-F238E27FC236}">
+                <a16:creationId xmlns:a16="http://schemas.microsoft.com/office/drawing/2014/main" id="{C7AD08A0-8F6D-12AF-3D66-411A755D4D4D}"/>
+              </a:ext>
+            </a:extLst>
+          </p:cNvPr>
+          <p:cNvSpPr>
+            <a:spLocks noGrp="1"/>
+          </p:cNvSpPr>
+          <p:nvPr>
+            <p:ph idx="1"/>
+          </p:nvPr>
+        </p:nvSpPr>
+        <p:spPr>
+          <a:xfrm>
+            <a:off x="913795" y="1732449"/>
+            <a:ext cx="3078749" cy="4482084"/>
+          </a:xfrm>
+        </p:spPr>
+        <p:txBody>
+          <a:bodyPr anchor="t">
+            <a:normAutofit/>
+          </a:bodyPr>
+          <a:lstStyle/>
+          <a:p>
+            <a:endParaRPr lang="zh-TW" altLang="en-US" sz="1600" dirty="0">
+              <a:ln>
+                <a:solidFill>
+                  <a:srgbClr val="404040">
+                    <a:alpha val="10000"/>
+                  </a:srgbClr>
+                </a:solidFill>
+              </a:ln>
+              <a:solidFill>
+                <a:srgbClr val="DADADA"/>
+              </a:solidFill>
+            </a:endParaRPr>
+          </a:p>
+        </p:txBody>
+      </p:sp>
+      <p:pic>
+        <p:nvPicPr>
+          <p:cNvPr id="5" name="圖片 4">
+            <a:extLst>
+              <a:ext uri="{FF2B5EF4-FFF2-40B4-BE49-F238E27FC236}">
+                <a16:creationId xmlns:a16="http://schemas.microsoft.com/office/drawing/2014/main" id="{F07C0933-4D44-E6FB-18DE-11E183AF8298}"/>
+              </a:ext>
+            </a:extLst>
+          </p:cNvPr>
+          <p:cNvPicPr>
+            <a:picLocks noChangeAspect="1"/>
+          </p:cNvPicPr>
+          <p:nvPr/>
+        </p:nvPicPr>
+        <p:blipFill>
+          <a:blip r:embed="rId2"/>
+          <a:stretch>
+            <a:fillRect/>
+          </a:stretch>
+        </p:blipFill>
+        <p:spPr>
+          <a:xfrm>
+            <a:off x="4906339" y="1122023"/>
+            <a:ext cx="6642193" cy="4613952"/>
+          </a:xfrm>
+          <a:prstGeom prst="rect">
+            <a:avLst/>
+          </a:prstGeom>
+        </p:spPr>
+      </p:pic>
+    </p:spTree>
+    <p:extLst>
+      <p:ext uri="{BB962C8B-B14F-4D97-AF65-F5344CB8AC3E}">
+        <p14:creationId xmlns:p14="http://schemas.microsoft.com/office/powerpoint/2010/main" val="2430796762"/>
+      </p:ext>
+    </p:extLst>
+  </p:cSld>
+  <p:clrMapOvr>
+    <a:overrideClrMapping bg1="lt1" tx1="dk1" bg2="lt2" tx2="dk2" accent1="accent1" accent2="accent2" accent3="accent3" accent4="accent4" accent5="accent5" accent6="accent6" hlink="hlink" folHlink="folHlink"/>
+  </p:clrMapOvr>
+</p:sld>
+</file>
+
+<file path=ppt/slides/slide5.xml><?xml version="1.0" encoding="utf-8"?>
+<p:sld xmlns:a="http://schemas.openxmlformats.org/drawingml/2006/main" xmlns:r="http://schemas.openxmlformats.org/officeDocument/2006/relationships" xmlns:p="http://schemas.openxmlformats.org/presentationml/2006/main">
+  <p:cSld>
+    <p:bg>
+      <p:bgPr>
+        <a:solidFill>
+          <a:schemeClr val="bg1"/>
+        </a:solidFill>
+        <a:effectLst/>
+      </p:bgPr>
+    </p:bg>
+    <p:spTree>
+      <p:nvGrpSpPr>
+        <p:cNvPr id="1" name=""/>
+        <p:cNvGrpSpPr/>
+        <p:nvPr/>
+      </p:nvGrpSpPr>
+      <p:grpSpPr>
+        <a:xfrm>
+          <a:off x="0" y="0"/>
+          <a:ext cx="0" cy="0"/>
+          <a:chOff x="0" y="0"/>
+          <a:chExt cx="0" cy="0"/>
+        </a:xfrm>
+      </p:grpSpPr>
+      <p:sp>
+        <p:nvSpPr>
+          <p:cNvPr id="10" name="Rectangle 9">
+            <a:extLst>
+              <a:ext uri="{FF2B5EF4-FFF2-40B4-BE49-F238E27FC236}">
+                <a16:creationId xmlns:a16="http://schemas.microsoft.com/office/drawing/2014/main" id="{95CB840F-8E41-4CA5-B79B-25CC80AD234A}"/>
+              </a:ext>
+              <a:ext uri="{C183D7F6-B498-43B3-948B-1728B52AA6E4}">
+                <adec:decorative xmlns:adec="http://schemas.microsoft.com/office/drawing/2017/decorative" val="1"/>
+              </a:ext>
+            </a:extLst>
+          </p:cNvPr>
+          <p:cNvSpPr>
+            <a:spLocks noGrp="1" noRot="1" noChangeAspect="1" noMove="1" noResize="1" noEditPoints="1" noAdjustHandles="1" noChangeArrowheads="1" noChangeShapeType="1" noTextEdit="1"/>
+          </p:cNvSpPr>
+          <p:nvPr>
+            <p:extLst>
+              <p:ext uri="{386F3935-93C4-4BCD-93E2-E3B085C9AB24}">
+                <p16:designElem xmlns:p16="http://schemas.microsoft.com/office/powerpoint/2015/main" val="1"/>
+              </p:ext>
+            </p:extLst>
+          </p:nvPr>
+        </p:nvSpPr>
+        <p:spPr>
+          <a:xfrm>
+            <a:off x="0" y="0"/>
+            <a:ext cx="12192000" cy="6858000"/>
+          </a:xfrm>
+          <a:prstGeom prst="rect">
+            <a:avLst/>
+          </a:prstGeom>
+          <a:ln>
+            <a:noFill/>
+          </a:ln>
+        </p:spPr>
+        <p:style>
+          <a:lnRef idx="2">
+            <a:schemeClr val="accent1">
+              <a:shade val="50000"/>
+            </a:schemeClr>
+          </a:lnRef>
+          <a:fillRef idx="1003">
+            <a:schemeClr val="dk2"/>
+          </a:fillRef>
+          <a:effectRef idx="0">
+            <a:schemeClr val="accent1"/>
+          </a:effectRef>
+          <a:fontRef idx="minor">
+            <a:schemeClr val="lt1"/>
+          </a:fontRef>
+        </p:style>
+        <p:txBody>
+          <a:bodyPr rtlCol="0" anchor="ctr"/>
+          <a:lstStyle/>
+          <a:p>
+            <a:pPr algn="ctr"/>
+            <a:endParaRPr lang="en-US"/>
+          </a:p>
+        </p:txBody>
+      </p:sp>
+      <p:sp>
+        <p:nvSpPr>
+          <p:cNvPr id="2" name="標題 1">
+            <a:extLst>
+              <a:ext uri="{FF2B5EF4-FFF2-40B4-BE49-F238E27FC236}">
+                <a16:creationId xmlns:a16="http://schemas.microsoft.com/office/drawing/2014/main" id="{3EE95B0F-CA8B-E848-545F-E8BBAA679014}"/>
+              </a:ext>
+            </a:extLst>
+          </p:cNvPr>
+          <p:cNvSpPr>
+            <a:spLocks noGrp="1"/>
+          </p:cNvSpPr>
+          <p:nvPr>
+            <p:ph type="title"/>
+          </p:nvPr>
+        </p:nvSpPr>
+        <p:spPr>
+          <a:xfrm>
+            <a:off x="913795" y="609600"/>
+            <a:ext cx="3078749" cy="970450"/>
+          </a:xfrm>
+        </p:spPr>
+        <p:txBody>
+          <a:bodyPr anchor="b">
+            <a:normAutofit/>
+          </a:bodyPr>
+          <a:lstStyle/>
+          <a:p>
+            <a:pPr algn="l"/>
+            <a:r>
+              <a:rPr lang="en-US" altLang="zh-TW" sz="2800" dirty="0">
+                <a:ln>
+                  <a:solidFill>
+                    <a:srgbClr val="404040">
+                      <a:alpha val="10000"/>
+                    </a:srgbClr>
+                  </a:solidFill>
+                </a:ln>
+                <a:solidFill>
+                  <a:srgbClr val="DADADA"/>
+                </a:solidFill>
+              </a:rPr>
+              <a:t>DAO</a:t>
+            </a:r>
+            <a:r>
+              <a:rPr lang="zh-TW" altLang="en-US" sz="2800" dirty="0">
+                <a:ln>
+                  <a:solidFill>
+                    <a:srgbClr val="404040">
+                      <a:alpha val="10000"/>
+                    </a:srgbClr>
+                  </a:solidFill>
+                </a:ln>
+                <a:solidFill>
+                  <a:srgbClr val="DADADA"/>
+                </a:solidFill>
+              </a:rPr>
+              <a:t>功能</a:t>
+            </a:r>
+          </a:p>
+        </p:txBody>
+      </p:sp>
+      <p:sp>
+        <p:nvSpPr>
+          <p:cNvPr id="3" name="內容版面配置區 2">
+            <a:extLst>
+              <a:ext uri="{FF2B5EF4-FFF2-40B4-BE49-F238E27FC236}">
+                <a16:creationId xmlns:a16="http://schemas.microsoft.com/office/drawing/2014/main" id="{559C64D9-4285-3BEB-7207-47D2097734DC}"/>
+              </a:ext>
+            </a:extLst>
+          </p:cNvPr>
+          <p:cNvSpPr>
+            <a:spLocks noGrp="1"/>
+          </p:cNvSpPr>
+          <p:nvPr>
+            <p:ph idx="1"/>
+          </p:nvPr>
+        </p:nvSpPr>
+        <p:spPr>
+          <a:xfrm>
+            <a:off x="913795" y="1732449"/>
+            <a:ext cx="3078749" cy="4482084"/>
+          </a:xfrm>
+        </p:spPr>
+        <p:txBody>
+          <a:bodyPr anchor="t">
+            <a:normAutofit/>
+          </a:bodyPr>
+          <a:lstStyle/>
+          <a:p>
+            <a:endParaRPr lang="zh-TW" altLang="en-US" sz="1600" dirty="0">
+              <a:ln>
+                <a:solidFill>
+                  <a:srgbClr val="404040">
+                    <a:alpha val="10000"/>
+                  </a:srgbClr>
+                </a:solidFill>
+              </a:ln>
+              <a:solidFill>
+                <a:srgbClr val="DADADA"/>
+              </a:solidFill>
+            </a:endParaRPr>
+          </a:p>
+        </p:txBody>
+      </p:sp>
+      <p:pic>
+        <p:nvPicPr>
+          <p:cNvPr id="5" name="圖片 4">
+            <a:extLst>
+              <a:ext uri="{FF2B5EF4-FFF2-40B4-BE49-F238E27FC236}">
+                <a16:creationId xmlns:a16="http://schemas.microsoft.com/office/drawing/2014/main" id="{4AB80571-1AE2-C7AC-E81A-B6E7F1DD1743}"/>
+              </a:ext>
+            </a:extLst>
+          </p:cNvPr>
+          <p:cNvPicPr>
+            <a:picLocks noChangeAspect="1"/>
+          </p:cNvPicPr>
+          <p:nvPr/>
+        </p:nvPicPr>
+        <p:blipFill>
+          <a:blip r:embed="rId2"/>
+          <a:stretch>
+            <a:fillRect/>
+          </a:stretch>
+        </p:blipFill>
+        <p:spPr>
+          <a:xfrm>
+            <a:off x="5542584" y="643466"/>
+            <a:ext cx="5369703" cy="5571067"/>
+          </a:xfrm>
+          <a:prstGeom prst="rect">
+            <a:avLst/>
+          </a:prstGeom>
+        </p:spPr>
+      </p:pic>
+    </p:spTree>
+    <p:extLst>
+      <p:ext uri="{BB962C8B-B14F-4D97-AF65-F5344CB8AC3E}">
+        <p14:creationId xmlns:p14="http://schemas.microsoft.com/office/powerpoint/2010/main" val="935257271"/>
+      </p:ext>
+    </p:extLst>
+  </p:cSld>
+  <p:clrMapOvr>
+    <a:overrideClrMapping bg1="lt1" tx1="dk1" bg2="lt2" tx2="dk2" accent1="accent1" accent2="accent2" accent3="accent3" accent4="accent4" accent5="accent5" accent6="accent6" hlink="hlink" folHlink="folHlink"/>
+  </p:clrMapOvr>
+</p:sld>
+</file>
+
+<file path=ppt/slides/slide6.xml><?xml version="1.0" encoding="utf-8"?>
+<p:sld xmlns:a="http://schemas.openxmlformats.org/drawingml/2006/main" xmlns:r="http://schemas.openxmlformats.org/officeDocument/2006/relationships" xmlns:p="http://schemas.openxmlformats.org/presentationml/2006/main">
+  <p:cSld>
+    <p:bg>
+      <p:bgPr>
+        <a:blipFill rotWithShape="1">
+          <a:blip r:embed="rId2">
+            <a:duotone>
+              <a:schemeClr val="bg2">
+                <a:shade val="80000"/>
+                <a:lumMod val="80000"/>
+              </a:schemeClr>
+              <a:schemeClr val="bg2">
+                <a:tint val="98000"/>
+              </a:schemeClr>
+            </a:duotone>
+          </a:blip>
+          <a:stretch/>
+        </a:blipFill>
+        <a:effectLst/>
+      </p:bgPr>
+    </p:bg>
+    <p:spTree>
+      <p:nvGrpSpPr>
+        <p:cNvPr id="1" name=""/>
+        <p:cNvGrpSpPr/>
+        <p:nvPr/>
+      </p:nvGrpSpPr>
+      <p:grpSpPr>
+        <a:xfrm>
+          <a:off x="0" y="0"/>
+          <a:ext cx="0" cy="0"/>
+          <a:chOff x="0" y="0"/>
+          <a:chExt cx="0" cy="0"/>
+        </a:xfrm>
+      </p:grpSpPr>
+      <p:sp useBgFill="1">
+        <p:nvSpPr>
+          <p:cNvPr id="12" name="Rectangle 11">
+            <a:extLst>
+              <a:ext uri="{FF2B5EF4-FFF2-40B4-BE49-F238E27FC236}">
+                <a16:creationId xmlns:a16="http://schemas.microsoft.com/office/drawing/2014/main" id="{0EF2A0DA-AE81-4A45-972E-646AC2870C2F}"/>
+              </a:ext>
+              <a:ext uri="{C183D7F6-B498-43B3-948B-1728B52AA6E4}">
+                <adec:decorative xmlns:adec="http://schemas.microsoft.com/office/drawing/2017/decorative" val="1"/>
+              </a:ext>
+            </a:extLst>
+          </p:cNvPr>
+          <p:cNvSpPr>
+            <a:spLocks noGrp="1" noRot="1" noChangeAspect="1" noMove="1" noResize="1" noEditPoints="1" noAdjustHandles="1" noChangeArrowheads="1" noChangeShapeType="1" noTextEdit="1"/>
+          </p:cNvSpPr>
+          <p:nvPr>
+            <p:extLst>
+              <p:ext uri="{386F3935-93C4-4BCD-93E2-E3B085C9AB24}">
+                <p16:designElem xmlns:p16="http://schemas.microsoft.com/office/powerpoint/2015/main" val="1"/>
+              </p:ext>
+            </p:extLst>
+          </p:nvPr>
+        </p:nvSpPr>
+        <p:spPr>
+          <a:xfrm>
+            <a:off x="0" y="0"/>
+            <a:ext cx="12192000" cy="6858000"/>
+          </a:xfrm>
+          <a:prstGeom prst="rect">
+            <a:avLst/>
+          </a:prstGeom>
+          <a:ln>
+            <a:noFill/>
+          </a:ln>
+        </p:spPr>
+        <p:style>
+          <a:lnRef idx="2">
+            <a:schemeClr val="accent1">
+              <a:shade val="50000"/>
+            </a:schemeClr>
+          </a:lnRef>
+          <a:fillRef idx="1">
+            <a:schemeClr val="accent1"/>
+          </a:fillRef>
+          <a:effectRef idx="0">
+            <a:schemeClr val="accent1"/>
+          </a:effectRef>
+          <a:fontRef idx="minor">
+            <a:schemeClr val="lt1"/>
+          </a:fontRef>
+        </p:style>
+        <p:txBody>
+          <a:bodyPr rtlCol="0" anchor="ctr"/>
+          <a:lstStyle/>
+          <a:p>
+            <a:pPr algn="ctr"/>
+            <a:endParaRPr lang="en-US"/>
+          </a:p>
+        </p:txBody>
+      </p:sp>
+      <p:pic>
+        <p:nvPicPr>
+          <p:cNvPr id="14" name="Picture 13">
+            <a:extLst>
+              <a:ext uri="{FF2B5EF4-FFF2-40B4-BE49-F238E27FC236}">
+                <a16:creationId xmlns:a16="http://schemas.microsoft.com/office/drawing/2014/main" id="{B536FA4E-0152-4E27-91DA-0FC22D1846BB}"/>
+              </a:ext>
+              <a:ext uri="{C183D7F6-B498-43B3-948B-1728B52AA6E4}">
+                <adec:decorative xmlns:adec="http://schemas.microsoft.com/office/drawing/2017/decorative" val="1"/>
+              </a:ext>
+            </a:extLst>
+          </p:cNvPr>
+          <p:cNvPicPr>
+            <a:picLocks noGrp="1" noRot="1" noChangeAspect="1" noMove="1" noResize="1" noEditPoints="1" noAdjustHandles="1" noChangeArrowheads="1" noChangeShapeType="1" noCrop="1"/>
+          </p:cNvPicPr>
+          <p:nvPr>
+            <p:extLst>
+              <p:ext uri="{386F3935-93C4-4BCD-93E2-E3B085C9AB24}">
+                <p16:designElem xmlns:p16="http://schemas.microsoft.com/office/powerpoint/2015/main" val="1"/>
+              </p:ext>
+            </p:extLst>
+          </p:nvPr>
+        </p:nvPicPr>
+        <p:blipFill rotWithShape="1">
+          <a:blip r:embed="rId3">
+            <a:extLst>
+              <a:ext uri="{28A0092B-C50C-407E-A947-70E740481C1C}">
+                <a14:useLocalDpi xmlns:a14="http://schemas.microsoft.com/office/drawing/2010/main" val="0"/>
+              </a:ext>
+            </a:extLst>
+          </a:blip>
+          <a:srcRect t="964" r="2807" b="1446"/>
+          <a:stretch/>
+        </p:blipFill>
+        <p:spPr>
+          <a:xfrm>
+            <a:off x="6257026" y="1"/>
+            <a:ext cx="5934973" cy="6858000"/>
+          </a:xfrm>
+          <a:prstGeom prst="rect">
+            <a:avLst/>
+          </a:prstGeom>
+        </p:spPr>
+      </p:pic>
+      <p:sp>
+        <p:nvSpPr>
+          <p:cNvPr id="2" name="標題 1">
+            <a:extLst>
+              <a:ext uri="{FF2B5EF4-FFF2-40B4-BE49-F238E27FC236}">
+                <a16:creationId xmlns:a16="http://schemas.microsoft.com/office/drawing/2014/main" id="{AE237693-F1CD-8369-9373-D483886EC724}"/>
+              </a:ext>
+            </a:extLst>
+          </p:cNvPr>
+          <p:cNvSpPr>
+            <a:spLocks noGrp="1"/>
+          </p:cNvSpPr>
+          <p:nvPr>
+            <p:ph type="title"/>
+          </p:nvPr>
+        </p:nvSpPr>
+        <p:spPr>
+          <a:xfrm>
+            <a:off x="6900493" y="609600"/>
+            <a:ext cx="4538124" cy="970450"/>
+          </a:xfrm>
+        </p:spPr>
+        <p:txBody>
+          <a:bodyPr anchor="b">
+            <a:normAutofit/>
+          </a:bodyPr>
+          <a:lstStyle/>
+          <a:p>
+            <a:pPr algn="l"/>
+            <a:endParaRPr lang="zh-TW" altLang="en-US" sz="3200" dirty="0"/>
+          </a:p>
+        </p:txBody>
+      </p:sp>
+      <p:sp>
+        <p:nvSpPr>
+          <p:cNvPr id="3" name="內容版面配置區 2">
+            <a:extLst>
+              <a:ext uri="{FF2B5EF4-FFF2-40B4-BE49-F238E27FC236}">
+                <a16:creationId xmlns:a16="http://schemas.microsoft.com/office/drawing/2014/main" id="{E7835F8A-2B07-E7BD-0695-7C66FB85259F}"/>
+              </a:ext>
+            </a:extLst>
+          </p:cNvPr>
+          <p:cNvSpPr>
+            <a:spLocks noGrp="1"/>
+          </p:cNvSpPr>
+          <p:nvPr>
+            <p:ph idx="1"/>
+          </p:nvPr>
+        </p:nvSpPr>
+        <p:spPr>
+          <a:xfrm>
+            <a:off x="4931144" y="849597"/>
+            <a:ext cx="4403596" cy="4058751"/>
+          </a:xfrm>
+        </p:spPr>
+        <p:txBody>
+          <a:bodyPr anchor="t">
+            <a:normAutofit/>
+          </a:bodyPr>
+          <a:lstStyle/>
+          <a:p>
+            <a:r>
+              <a:rPr lang="zh-TW" altLang="en-US" sz="2800" dirty="0"/>
+              <a:t>查詢功能</a:t>
+            </a:r>
+          </a:p>
+        </p:txBody>
+      </p:sp>
+      <p:pic>
+        <p:nvPicPr>
+          <p:cNvPr id="9" name="圖片 8">
+            <a:extLst>
+              <a:ext uri="{FF2B5EF4-FFF2-40B4-BE49-F238E27FC236}">
+                <a16:creationId xmlns:a16="http://schemas.microsoft.com/office/drawing/2014/main" id="{A425F0EE-AC91-15F7-6F7E-0584FABA667A}"/>
+              </a:ext>
+            </a:extLst>
+          </p:cNvPr>
+          <p:cNvPicPr>
+            <a:picLocks noChangeAspect="1"/>
+          </p:cNvPicPr>
+          <p:nvPr/>
+        </p:nvPicPr>
+        <p:blipFill>
+          <a:blip r:embed="rId4"/>
+          <a:stretch>
+            <a:fillRect/>
+          </a:stretch>
+        </p:blipFill>
+        <p:spPr>
+          <a:xfrm>
+            <a:off x="518665" y="2039649"/>
+            <a:ext cx="5487166" cy="4086795"/>
+          </a:xfrm>
+          <a:prstGeom prst="rect">
+            <a:avLst/>
+          </a:prstGeom>
+        </p:spPr>
+      </p:pic>
+      <p:pic>
+        <p:nvPicPr>
+          <p:cNvPr id="11" name="圖片 10">
+            <a:extLst>
+              <a:ext uri="{FF2B5EF4-FFF2-40B4-BE49-F238E27FC236}">
+                <a16:creationId xmlns:a16="http://schemas.microsoft.com/office/drawing/2014/main" id="{2D8E054E-4565-EDA9-2D12-DE16B9BC793E}"/>
+              </a:ext>
+            </a:extLst>
+          </p:cNvPr>
+          <p:cNvPicPr>
+            <a:picLocks noChangeAspect="1"/>
+          </p:cNvPicPr>
+          <p:nvPr/>
+        </p:nvPicPr>
+        <p:blipFill>
+          <a:blip r:embed="rId5"/>
+          <a:stretch>
+            <a:fillRect/>
+          </a:stretch>
+        </p:blipFill>
+        <p:spPr>
+          <a:xfrm>
+            <a:off x="5989557" y="2006307"/>
+            <a:ext cx="5449060" cy="4153480"/>
+          </a:xfrm>
+          <a:prstGeom prst="rect">
+            <a:avLst/>
+          </a:prstGeom>
+        </p:spPr>
+      </p:pic>
+    </p:spTree>
+    <p:extLst>
+      <p:ext uri="{BB962C8B-B14F-4D97-AF65-F5344CB8AC3E}">
+        <p14:creationId xmlns:p14="http://schemas.microsoft.com/office/powerpoint/2010/main" val="3131253764"/>
+      </p:ext>
+    </p:extLst>
+  </p:cSld>
+  <p:clrMapOvr>
+    <a:masterClrMapping/>
+  </p:clrMapOvr>
+</p:sld>
+</file>
+
+<file path=ppt/slides/slide7.xml><?xml version="1.0" encoding="utf-8"?>
+<p:sld xmlns:a="http://schemas.openxmlformats.org/drawingml/2006/main" xmlns:r="http://schemas.openxmlformats.org/officeDocument/2006/relationships" xmlns:p="http://schemas.openxmlformats.org/presentationml/2006/main">
+  <p:cSld>
+    <p:bg>
+      <p:bgPr>
+        <a:solidFill>
+          <a:schemeClr val="bg1"/>
+        </a:solidFill>
+        <a:effectLst/>
+      </p:bgPr>
+    </p:bg>
+    <p:spTree>
+      <p:nvGrpSpPr>
+        <p:cNvPr id="1" name=""/>
+        <p:cNvGrpSpPr/>
+        <p:nvPr/>
+      </p:nvGrpSpPr>
+      <p:grpSpPr>
+        <a:xfrm>
+          <a:off x="0" y="0"/>
+          <a:ext cx="0" cy="0"/>
+          <a:chOff x="0" y="0"/>
+          <a:chExt cx="0" cy="0"/>
+        </a:xfrm>
+      </p:grpSpPr>
+      <p:sp>
+        <p:nvSpPr>
+          <p:cNvPr id="10" name="Rectangle 9">
+            <a:extLst>
+              <a:ext uri="{FF2B5EF4-FFF2-40B4-BE49-F238E27FC236}">
+                <a16:creationId xmlns:a16="http://schemas.microsoft.com/office/drawing/2014/main" id="{95CB840F-8E41-4CA5-B79B-25CC80AD234A}"/>
+              </a:ext>
+              <a:ext uri="{C183D7F6-B498-43B3-948B-1728B52AA6E4}">
+                <adec:decorative xmlns:adec="http://schemas.microsoft.com/office/drawing/2017/decorative" val="1"/>
+              </a:ext>
+            </a:extLst>
+          </p:cNvPr>
+          <p:cNvSpPr>
+            <a:spLocks noGrp="1" noRot="1" noChangeAspect="1" noMove="1" noResize="1" noEditPoints="1" noAdjustHandles="1" noChangeArrowheads="1" noChangeShapeType="1" noTextEdit="1"/>
+          </p:cNvSpPr>
+          <p:nvPr>
+            <p:extLst>
+              <p:ext uri="{386F3935-93C4-4BCD-93E2-E3B085C9AB24}">
+                <p16:designElem xmlns:p16="http://schemas.microsoft.com/office/powerpoint/2015/main" val="1"/>
+              </p:ext>
+            </p:extLst>
+          </p:nvPr>
+        </p:nvSpPr>
+        <p:spPr>
+          <a:xfrm>
+            <a:off x="0" y="0"/>
+            <a:ext cx="12192000" cy="6858000"/>
+          </a:xfrm>
+          <a:prstGeom prst="rect">
+            <a:avLst/>
+          </a:prstGeom>
+          <a:ln>
+            <a:noFill/>
+          </a:ln>
+        </p:spPr>
+        <p:style>
+          <a:lnRef idx="2">
+            <a:schemeClr val="accent1">
+              <a:shade val="50000"/>
+            </a:schemeClr>
+          </a:lnRef>
+          <a:fillRef idx="1003">
+            <a:schemeClr val="dk2"/>
+          </a:fillRef>
+          <a:effectRef idx="0">
+            <a:schemeClr val="accent1"/>
+          </a:effectRef>
+          <a:fontRef idx="minor">
+            <a:schemeClr val="lt1"/>
+          </a:fontRef>
+        </p:style>
+        <p:txBody>
+          <a:bodyPr rtlCol="0" anchor="ctr"/>
+          <a:lstStyle/>
+          <a:p>
+            <a:pPr algn="ctr"/>
+            <a:endParaRPr lang="en-US"/>
+          </a:p>
+        </p:txBody>
+      </p:sp>
+      <p:sp>
+        <p:nvSpPr>
+          <p:cNvPr id="2" name="標題 1">
+            <a:extLst>
+              <a:ext uri="{FF2B5EF4-FFF2-40B4-BE49-F238E27FC236}">
+                <a16:creationId xmlns:a16="http://schemas.microsoft.com/office/drawing/2014/main" id="{7533C260-93E6-B30A-FC19-8B1D0A437584}"/>
+              </a:ext>
+            </a:extLst>
+          </p:cNvPr>
+          <p:cNvSpPr>
+            <a:spLocks noGrp="1"/>
+          </p:cNvSpPr>
+          <p:nvPr>
+            <p:ph type="title"/>
+          </p:nvPr>
+        </p:nvSpPr>
+        <p:spPr>
+          <a:xfrm>
+            <a:off x="913795" y="609600"/>
+            <a:ext cx="3078749" cy="970450"/>
+          </a:xfrm>
+        </p:spPr>
+        <p:txBody>
+          <a:bodyPr anchor="b">
+            <a:normAutofit/>
+          </a:bodyPr>
+          <a:lstStyle/>
+          <a:p>
+            <a:pPr algn="l"/>
+            <a:r>
+              <a:rPr lang="zh-TW" altLang="en-US" sz="2800" dirty="0">
+                <a:ln>
+                  <a:solidFill>
+                    <a:srgbClr val="404040">
+                      <a:alpha val="10000"/>
+                    </a:srgbClr>
+                  </a:solidFill>
+                </a:ln>
+                <a:solidFill>
+                  <a:srgbClr val="DADADA"/>
+                </a:solidFill>
+              </a:rPr>
+              <a:t>增加功能</a:t>
+            </a:r>
+          </a:p>
+        </p:txBody>
+      </p:sp>
+      <p:sp>
+        <p:nvSpPr>
+          <p:cNvPr id="3" name="內容版面配置區 2">
+            <a:extLst>
+              <a:ext uri="{FF2B5EF4-FFF2-40B4-BE49-F238E27FC236}">
+                <a16:creationId xmlns:a16="http://schemas.microsoft.com/office/drawing/2014/main" id="{2757B9FF-B2EC-9159-5152-44B2F8D55B49}"/>
+              </a:ext>
+            </a:extLst>
+          </p:cNvPr>
+          <p:cNvSpPr>
+            <a:spLocks noGrp="1"/>
+          </p:cNvSpPr>
+          <p:nvPr>
+            <p:ph idx="1"/>
+          </p:nvPr>
+        </p:nvSpPr>
+        <p:spPr>
+          <a:xfrm>
+            <a:off x="913795" y="1732449"/>
+            <a:ext cx="3078749" cy="4482084"/>
+          </a:xfrm>
+        </p:spPr>
+        <p:txBody>
+          <a:bodyPr anchor="t">
+            <a:normAutofit/>
+          </a:bodyPr>
+          <a:lstStyle/>
+          <a:p>
+            <a:endParaRPr lang="zh-TW" altLang="en-US" sz="1600" dirty="0">
+              <a:ln>
+                <a:solidFill>
+                  <a:srgbClr val="404040">
+                    <a:alpha val="10000"/>
+                  </a:srgbClr>
+                </a:solidFill>
+              </a:ln>
+              <a:solidFill>
+                <a:srgbClr val="DADADA"/>
+              </a:solidFill>
+            </a:endParaRPr>
+          </a:p>
+        </p:txBody>
+      </p:sp>
+      <p:pic>
+        <p:nvPicPr>
+          <p:cNvPr id="5" name="圖片 4">
+            <a:extLst>
+              <a:ext uri="{FF2B5EF4-FFF2-40B4-BE49-F238E27FC236}">
+                <a16:creationId xmlns:a16="http://schemas.microsoft.com/office/drawing/2014/main" id="{182CD17B-CD85-63AE-BB9C-0BD89E5BE792}"/>
+              </a:ext>
+            </a:extLst>
+          </p:cNvPr>
+          <p:cNvPicPr>
+            <a:picLocks noChangeAspect="1"/>
+          </p:cNvPicPr>
+          <p:nvPr/>
+        </p:nvPicPr>
+        <p:blipFill>
+          <a:blip r:embed="rId2"/>
+          <a:stretch>
+            <a:fillRect/>
+          </a:stretch>
+        </p:blipFill>
+        <p:spPr>
+          <a:xfrm>
+            <a:off x="4906339" y="1086753"/>
+            <a:ext cx="6642193" cy="4684493"/>
+          </a:xfrm>
+          <a:prstGeom prst="rect">
+            <a:avLst/>
+          </a:prstGeom>
+        </p:spPr>
+      </p:pic>
+    </p:spTree>
+    <p:extLst>
+      <p:ext uri="{BB962C8B-B14F-4D97-AF65-F5344CB8AC3E}">
+        <p14:creationId xmlns:p14="http://schemas.microsoft.com/office/powerpoint/2010/main" val="1200421593"/>
+      </p:ext>
+    </p:extLst>
+  </p:cSld>
+  <p:clrMapOvr>
+    <a:overrideClrMapping bg1="lt1" tx1="dk1" bg2="lt2" tx2="dk2" accent1="accent1" accent2="accent2" accent3="accent3" accent4="accent4" accent5="accent5" accent6="accent6" hlink="hlink" folHlink="folHlink"/>
+  </p:clrMapOvr>
+</p:sld>
+</file>
+
+<file path=ppt/slides/slide8.xml><?xml version="1.0" encoding="utf-8"?>
+<p:sld xmlns:a="http://schemas.openxmlformats.org/drawingml/2006/main" xmlns:r="http://schemas.openxmlformats.org/officeDocument/2006/relationships" xmlns:p="http://schemas.openxmlformats.org/presentationml/2006/main">
+  <p:cSld>
+    <p:spTree>
+      <p:nvGrpSpPr>
+        <p:cNvPr id="1" name=""/>
+        <p:cNvGrpSpPr/>
+        <p:nvPr/>
+      </p:nvGrpSpPr>
+      <p:grpSpPr>
+        <a:xfrm>
+          <a:off x="0" y="0"/>
+          <a:ext cx="0" cy="0"/>
+          <a:chOff x="0" y="0"/>
+          <a:chExt cx="0" cy="0"/>
+        </a:xfrm>
+      </p:grpSpPr>
+      <p:sp>
+        <p:nvSpPr>
+          <p:cNvPr id="2" name="標題 1">
+            <a:extLst>
+              <a:ext uri="{FF2B5EF4-FFF2-40B4-BE49-F238E27FC236}">
+                <a16:creationId xmlns:a16="http://schemas.microsoft.com/office/drawing/2014/main" id="{43CBF28B-573D-0CEA-60D4-DB52914818D5}"/>
+              </a:ext>
+            </a:extLst>
+          </p:cNvPr>
+          <p:cNvSpPr>
+            <a:spLocks noGrp="1"/>
+          </p:cNvSpPr>
+          <p:nvPr>
+            <p:ph type="title"/>
+          </p:nvPr>
+        </p:nvSpPr>
+        <p:spPr/>
+        <p:txBody>
+          <a:bodyPr>
+            <a:normAutofit/>
+          </a:bodyPr>
+          <a:lstStyle/>
+          <a:p>
+            <a:r>
+              <a:rPr lang="zh-TW" altLang="en-US" sz="2800" dirty="0"/>
+              <a:t>更正功能</a:t>
+            </a:r>
+          </a:p>
+        </p:txBody>
+      </p:sp>
+      <p:sp>
+        <p:nvSpPr>
+          <p:cNvPr id="3" name="內容版面配置區 2">
+            <a:extLst>
+              <a:ext uri="{FF2B5EF4-FFF2-40B4-BE49-F238E27FC236}">
+                <a16:creationId xmlns:a16="http://schemas.microsoft.com/office/drawing/2014/main" id="{D797156F-F298-E590-3495-C912625000C9}"/>
+              </a:ext>
+            </a:extLst>
+          </p:cNvPr>
+          <p:cNvSpPr>
+            <a:spLocks noGrp="1"/>
+          </p:cNvSpPr>
+          <p:nvPr>
+            <p:ph idx="1"/>
+          </p:nvPr>
+        </p:nvSpPr>
+        <p:spPr/>
+        <p:txBody>
+          <a:bodyPr/>
+          <a:lstStyle/>
+          <a:p>
+            <a:endParaRPr lang="zh-TW" altLang="en-US"/>
+          </a:p>
+        </p:txBody>
+      </p:sp>
+      <p:pic>
+        <p:nvPicPr>
+          <p:cNvPr id="5" name="圖片 4">
+            <a:extLst>
+              <a:ext uri="{FF2B5EF4-FFF2-40B4-BE49-F238E27FC236}">
+                <a16:creationId xmlns:a16="http://schemas.microsoft.com/office/drawing/2014/main" id="{80B189CC-7088-4454-375D-1A237FD721C3}"/>
+              </a:ext>
+            </a:extLst>
+          </p:cNvPr>
+          <p:cNvPicPr>
+            <a:picLocks noChangeAspect="1"/>
+          </p:cNvPicPr>
+          <p:nvPr/>
+        </p:nvPicPr>
+        <p:blipFill>
+          <a:blip r:embed="rId2"/>
+          <a:stretch>
+            <a:fillRect/>
+          </a:stretch>
+        </p:blipFill>
+        <p:spPr>
+          <a:xfrm>
+            <a:off x="1661493" y="1726011"/>
+            <a:ext cx="8869013" cy="3648584"/>
+          </a:xfrm>
+          <a:prstGeom prst="rect">
+            <a:avLst/>
+          </a:prstGeom>
+        </p:spPr>
+      </p:pic>
+    </p:spTree>
+    <p:extLst>
+      <p:ext uri="{BB962C8B-B14F-4D97-AF65-F5344CB8AC3E}">
+        <p14:creationId xmlns:p14="http://schemas.microsoft.com/office/powerpoint/2010/main" val="1315695355"/>
+      </p:ext>
+    </p:extLst>
+  </p:cSld>
+  <p:clrMapOvr>
+    <a:masterClrMapping/>
+  </p:clrMapOvr>
+</p:sld>
+</file>
+
+<file path=ppt/slides/slide9.xml><?xml version="1.0" encoding="utf-8"?>
+<p:sld xmlns:a="http://schemas.openxmlformats.org/drawingml/2006/main" xmlns:r="http://schemas.openxmlformats.org/officeDocument/2006/relationships" xmlns:p="http://schemas.openxmlformats.org/presentationml/2006/main">
+  <p:cSld>
+    <p:spTree>
+      <p:nvGrpSpPr>
+        <p:cNvPr id="1" name=""/>
+        <p:cNvGrpSpPr/>
+        <p:nvPr/>
+      </p:nvGrpSpPr>
+      <p:grpSpPr>
+        <a:xfrm>
+          <a:off x="0" y="0"/>
+          <a:ext cx="0" cy="0"/>
+          <a:chOff x="0" y="0"/>
+          <a:chExt cx="0" cy="0"/>
+        </a:xfrm>
+      </p:grpSpPr>
+      <p:sp>
+        <p:nvSpPr>
+          <p:cNvPr id="2" name="標題 1">
+            <a:extLst>
+              <a:ext uri="{FF2B5EF4-FFF2-40B4-BE49-F238E27FC236}">
+                <a16:creationId xmlns:a16="http://schemas.microsoft.com/office/drawing/2014/main" id="{D4A675E2-1663-652E-E750-F9626CA21FF7}"/>
+              </a:ext>
+            </a:extLst>
+          </p:cNvPr>
+          <p:cNvSpPr>
+            <a:spLocks noGrp="1"/>
+          </p:cNvSpPr>
+          <p:nvPr>
+            <p:ph type="title"/>
+          </p:nvPr>
+        </p:nvSpPr>
+        <p:spPr/>
+        <p:txBody>
+          <a:bodyPr/>
+          <a:lstStyle/>
+          <a:p>
+            <a:r>
+              <a:rPr lang="zh-TW" altLang="en-US" dirty="0"/>
+              <a:t>刪除功能</a:t>
+            </a:r>
+          </a:p>
+        </p:txBody>
+      </p:sp>
+      <p:sp>
+        <p:nvSpPr>
+          <p:cNvPr id="3" name="內容版面配置區 2">
+            <a:extLst>
+              <a:ext uri="{FF2B5EF4-FFF2-40B4-BE49-F238E27FC236}">
+                <a16:creationId xmlns:a16="http://schemas.microsoft.com/office/drawing/2014/main" id="{B8CFC349-9704-4A84-6ACD-4B2A1C74D6A9}"/>
+              </a:ext>
+            </a:extLst>
+          </p:cNvPr>
+          <p:cNvSpPr>
+            <a:spLocks noGrp="1"/>
+          </p:cNvSpPr>
+          <p:nvPr>
+            <p:ph idx="1"/>
+          </p:nvPr>
+        </p:nvSpPr>
+        <p:spPr/>
+        <p:txBody>
+          <a:bodyPr/>
+          <a:lstStyle/>
+          <a:p>
+            <a:endParaRPr lang="zh-TW" altLang="en-US"/>
+          </a:p>
+        </p:txBody>
+      </p:sp>
+      <p:pic>
+        <p:nvPicPr>
+          <p:cNvPr id="5" name="圖片 4">
+            <a:extLst>
+              <a:ext uri="{FF2B5EF4-FFF2-40B4-BE49-F238E27FC236}">
+                <a16:creationId xmlns:a16="http://schemas.microsoft.com/office/drawing/2014/main" id="{F0A638EE-24B5-2A37-6772-C2610C315AAE}"/>
+              </a:ext>
+            </a:extLst>
+          </p:cNvPr>
+          <p:cNvPicPr>
+            <a:picLocks noChangeAspect="1"/>
+          </p:cNvPicPr>
+          <p:nvPr/>
+        </p:nvPicPr>
+        <p:blipFill>
+          <a:blip r:embed="rId2"/>
+          <a:stretch>
+            <a:fillRect/>
+          </a:stretch>
+        </p:blipFill>
+        <p:spPr>
+          <a:xfrm>
+            <a:off x="3309548" y="2033392"/>
+            <a:ext cx="5572903" cy="2791215"/>
+          </a:xfrm>
+          <a:prstGeom prst="rect">
+            <a:avLst/>
+          </a:prstGeom>
+        </p:spPr>
+      </p:pic>
+    </p:spTree>
+    <p:extLst>
+      <p:ext uri="{BB962C8B-B14F-4D97-AF65-F5344CB8AC3E}">
+        <p14:creationId xmlns:p14="http://schemas.microsoft.com/office/powerpoint/2010/main" val="2472793367"/>
       </p:ext>
     </p:extLst>
   </p:cSld>
